--- a/Progress/8 Project Progress.pptx
+++ b/Progress/8 Project Progress.pptx
@@ -162,7 +162,7 @@
 <file path=ppt/revisionInfo.xml><?xml version="1.0" encoding="utf-8"?>
 <p1510:revInfo xmlns:a="http://schemas.openxmlformats.org/drawingml/2006/main" xmlns:r="http://schemas.openxmlformats.org/officeDocument/2006/relationships" xmlns:p1510="http://schemas.microsoft.com/office/powerpoint/2015/10/main">
   <p1510:revLst>
-    <p1510:client id="{1DA5406A-61C4-4F7C-8CFF-A3D0BFC45DEC}" v="115" dt="2023-07-10T18:06:50.647"/>
+    <p1510:client id="{1DA5406A-61C4-4F7C-8CFF-A3D0BFC45DEC}" v="143" dt="2023-07-11T08:52:26.743"/>
   </p1510:revLst>
 </p1510:revInfo>
 </file>
@@ -1521,7 +1521,7 @@
   <pc:docChgLst>
     <pc:chgData name="Kyriacos Kyriacou" userId="6a303e1966778a2b" providerId="LiveId" clId="{1DA5406A-61C4-4F7C-8CFF-A3D0BFC45DEC}"/>
     <pc:docChg chg="undo redo custSel addSld delSld modSld sldOrd">
-      <pc:chgData name="Kyriacos Kyriacou" userId="6a303e1966778a2b" providerId="LiveId" clId="{1DA5406A-61C4-4F7C-8CFF-A3D0BFC45DEC}" dt="2023-07-10T18:10:33.454" v="2242"/>
+      <pc:chgData name="Kyriacos Kyriacou" userId="6a303e1966778a2b" providerId="LiveId" clId="{1DA5406A-61C4-4F7C-8CFF-A3D0BFC45DEC}" dt="2023-07-11T08:52:56.640" v="2261" actId="14100"/>
       <pc:docMkLst>
         <pc:docMk/>
       </pc:docMkLst>
@@ -1615,13 +1615,13 @@
         </pc:spChg>
       </pc:sldChg>
       <pc:sldChg chg="modSp add mod">
-        <pc:chgData name="Kyriacos Kyriacou" userId="6a303e1966778a2b" providerId="LiveId" clId="{1DA5406A-61C4-4F7C-8CFF-A3D0BFC45DEC}" dt="2023-07-10T18:02:03.030" v="2080"/>
+        <pc:chgData name="Kyriacos Kyriacou" userId="6a303e1966778a2b" providerId="LiveId" clId="{1DA5406A-61C4-4F7C-8CFF-A3D0BFC45DEC}" dt="2023-07-11T08:52:56.640" v="2261" actId="14100"/>
         <pc:sldMkLst>
           <pc:docMk/>
           <pc:sldMk cId="3470142811" sldId="276"/>
         </pc:sldMkLst>
         <pc:graphicFrameChg chg="mod modGraphic">
-          <ac:chgData name="Kyriacos Kyriacou" userId="6a303e1966778a2b" providerId="LiveId" clId="{1DA5406A-61C4-4F7C-8CFF-A3D0BFC45DEC}" dt="2023-07-10T18:02:03.030" v="2080"/>
+          <ac:chgData name="Kyriacos Kyriacou" userId="6a303e1966778a2b" providerId="LiveId" clId="{1DA5406A-61C4-4F7C-8CFF-A3D0BFC45DEC}" dt="2023-07-11T08:52:56.640" v="2261" actId="14100"/>
           <ac:graphicFrameMkLst>
             <pc:docMk/>
             <pc:sldMk cId="3470142811" sldId="276"/>
@@ -1928,7 +1928,7 @@
               <a:pPr>
                 <a:defRPr/>
               </a:pPr>
-              <a:t>7/10/2023</a:t>
+              <a:t>7/11/2023</a:t>
             </a:fld>
             <a:endParaRPr lang="en-US" altLang="en-US"/>
           </a:p>
@@ -2120,7 +2120,7 @@
               <a:pPr>
                 <a:defRPr/>
               </a:pPr>
-              <a:t>7/10/2023</a:t>
+              <a:t>7/11/2023</a:t>
             </a:fld>
             <a:endParaRPr lang="en-US" altLang="en-US"/>
           </a:p>
@@ -2322,7 +2322,7 @@
               <a:pPr>
                 <a:defRPr/>
               </a:pPr>
-              <a:t>7/10/2023</a:t>
+              <a:t>7/11/2023</a:t>
             </a:fld>
             <a:endParaRPr lang="en-US" altLang="en-US"/>
           </a:p>
@@ -2514,7 +2514,7 @@
               <a:pPr>
                 <a:defRPr/>
               </a:pPr>
-              <a:t>7/10/2023</a:t>
+              <a:t>7/11/2023</a:t>
             </a:fld>
             <a:endParaRPr lang="en-US" altLang="en-US"/>
           </a:p>
@@ -2782,7 +2782,7 @@
               <a:pPr>
                 <a:defRPr/>
               </a:pPr>
-              <a:t>7/10/2023</a:t>
+              <a:t>7/11/2023</a:t>
             </a:fld>
             <a:endParaRPr lang="en-US" altLang="en-US"/>
           </a:p>
@@ -3092,7 +3092,7 @@
               <a:pPr>
                 <a:defRPr/>
               </a:pPr>
-              <a:t>7/10/2023</a:t>
+              <a:t>7/11/2023</a:t>
             </a:fld>
             <a:endParaRPr lang="en-US" altLang="en-US"/>
           </a:p>
@@ -3536,7 +3536,7 @@
               <a:pPr>
                 <a:defRPr/>
               </a:pPr>
-              <a:t>7/10/2023</a:t>
+              <a:t>7/11/2023</a:t>
             </a:fld>
             <a:endParaRPr lang="en-US" altLang="en-US"/>
           </a:p>
@@ -3676,7 +3676,7 @@
               <a:pPr>
                 <a:defRPr/>
               </a:pPr>
-              <a:t>7/10/2023</a:t>
+              <a:t>7/11/2023</a:t>
             </a:fld>
             <a:endParaRPr lang="en-US" altLang="en-US"/>
           </a:p>
@@ -3793,7 +3793,7 @@
               <a:pPr>
                 <a:defRPr/>
               </a:pPr>
-              <a:t>7/10/2023</a:t>
+              <a:t>7/11/2023</a:t>
             </a:fld>
             <a:endParaRPr lang="en-US" altLang="en-US"/>
           </a:p>
@@ -4092,7 +4092,7 @@
               <a:pPr>
                 <a:defRPr/>
               </a:pPr>
-              <a:t>7/10/2023</a:t>
+              <a:t>7/11/2023</a:t>
             </a:fld>
             <a:endParaRPr lang="en-US" altLang="en-US"/>
           </a:p>
@@ -4374,7 +4374,7 @@
               <a:pPr>
                 <a:defRPr/>
               </a:pPr>
-              <a:t>7/10/2023</a:t>
+              <a:t>7/11/2023</a:t>
             </a:fld>
             <a:endParaRPr lang="en-US" altLang="en-US"/>
           </a:p>
@@ -4665,7 +4665,7 @@
               <a:pPr>
                 <a:defRPr/>
               </a:pPr>
-              <a:t>7/10/2023</a:t>
+              <a:t>7/11/2023</a:t>
             </a:fld>
             <a:endParaRPr lang="en-US" altLang="en-US"/>
           </a:p>
@@ -10899,63 +10899,63 @@
           <p:nvPr>
             <p:extLst>
               <p:ext uri="{D42A27DB-BD31-4B8C-83A1-F6EECF244321}">
-                <p14:modId xmlns:p14="http://schemas.microsoft.com/office/powerpoint/2010/main" val="455215302"/>
+                <p14:modId xmlns:p14="http://schemas.microsoft.com/office/powerpoint/2010/main" val="1056530629"/>
               </p:ext>
             </p:extLst>
           </p:nvPr>
         </p:nvGraphicFramePr>
         <p:xfrm>
           <a:off x="1708127" y="2120900"/>
-          <a:ext cx="6688183" cy="4186649"/>
+          <a:ext cx="7070112" cy="4279900"/>
         </p:xfrm>
         <a:graphic>
           <a:graphicData uri="http://schemas.openxmlformats.org/drawingml/2006/table">
             <a:tbl>
               <a:tblPr/>
               <a:tblGrid>
-                <a:gridCol w="574766">
+                <a:gridCol w="607588">
                   <a:extLst>
                     <a:ext uri="{9D8B030D-6E8A-4147-A177-3AD203B41FA5}">
                       <a16:colId xmlns:a16="http://schemas.microsoft.com/office/drawing/2014/main" val="1874245618"/>
                     </a:ext>
                   </a:extLst>
                 </a:gridCol>
-                <a:gridCol w="1323703">
+                <a:gridCol w="1399293">
                   <a:extLst>
                     <a:ext uri="{9D8B030D-6E8A-4147-A177-3AD203B41FA5}">
                       <a16:colId xmlns:a16="http://schemas.microsoft.com/office/drawing/2014/main" val="3290498468"/>
                     </a:ext>
                   </a:extLst>
                 </a:gridCol>
-                <a:gridCol w="775063">
+                <a:gridCol w="819323">
                   <a:extLst>
                     <a:ext uri="{9D8B030D-6E8A-4147-A177-3AD203B41FA5}">
                       <a16:colId xmlns:a16="http://schemas.microsoft.com/office/drawing/2014/main" val="1768340231"/>
                     </a:ext>
                   </a:extLst>
                 </a:gridCol>
-                <a:gridCol w="801188">
+                <a:gridCol w="846940">
                   <a:extLst>
                     <a:ext uri="{9D8B030D-6E8A-4147-A177-3AD203B41FA5}">
                       <a16:colId xmlns:a16="http://schemas.microsoft.com/office/drawing/2014/main" val="1445382539"/>
                     </a:ext>
                   </a:extLst>
                 </a:gridCol>
-                <a:gridCol w="923109">
+                <a:gridCol w="975823">
                   <a:extLst>
                     <a:ext uri="{9D8B030D-6E8A-4147-A177-3AD203B41FA5}">
                       <a16:colId xmlns:a16="http://schemas.microsoft.com/office/drawing/2014/main" val="2044508581"/>
                     </a:ext>
                   </a:extLst>
                 </a:gridCol>
-                <a:gridCol w="1010194">
+                <a:gridCol w="1067881">
                   <a:extLst>
                     <a:ext uri="{9D8B030D-6E8A-4147-A177-3AD203B41FA5}">
                       <a16:colId xmlns:a16="http://schemas.microsoft.com/office/drawing/2014/main" val="3328911012"/>
                     </a:ext>
                   </a:extLst>
                 </a:gridCol>
-                <a:gridCol w="1280160">
+                <a:gridCol w="1353264">
                   <a:extLst>
                     <a:ext uri="{9D8B030D-6E8A-4147-A177-3AD203B41FA5}">
                       <a16:colId xmlns:a16="http://schemas.microsoft.com/office/drawing/2014/main" val="12389483"/>
@@ -10963,7 +10963,7 @@
                   </a:extLst>
                 </a:gridCol>
               </a:tblGrid>
-              <a:tr h="886334">
+              <a:tr h="906076">
                 <a:tc>
                   <a:txBody>
                     <a:bodyPr/>
@@ -11341,7 +11341,7 @@
                   </a:ext>
                 </a:extLst>
               </a:tr>
-              <a:tr h="369198">
+              <a:tr h="377421">
                 <a:tc rowSpan="4">
                   <a:txBody>
                     <a:bodyPr/>
@@ -11719,7 +11719,7 @@
                   </a:ext>
                 </a:extLst>
               </a:tr>
-              <a:tr h="226108">
+              <a:tr h="231144">
                 <a:tc vMerge="1">
                   <a:txBody>
                     <a:bodyPr/>
@@ -12100,7 +12100,7 @@
                   </a:ext>
                 </a:extLst>
               </a:tr>
-              <a:tr h="527426">
+              <a:tr h="539174">
                 <a:tc vMerge="1">
                   <a:txBody>
                     <a:bodyPr/>
@@ -12491,7 +12491,7 @@
                   </a:ext>
                 </a:extLst>
               </a:tr>
-              <a:tr h="369198">
+              <a:tr h="377421">
                 <a:tc vMerge="1">
                   <a:txBody>
                     <a:bodyPr/>
@@ -12888,7 +12888,7 @@
                   </a:ext>
                 </a:extLst>
               </a:tr>
-              <a:tr h="685653">
+              <a:tr h="700925">
                 <a:tc rowSpan="4">
                   <a:txBody>
                     <a:bodyPr/>
@@ -13175,9 +13175,12 @@
                     <a:lstStyle/>
                     <a:p>
                       <a:pPr algn="ctr" fontAlgn="base"/>
-                      <a:endParaRPr lang="en-GB" sz="1000" baseline="0" dirty="0">
-                        <a:effectLst/>
-                      </a:endParaRPr>
+                      <a:r>
+                        <a:rPr lang="en-GB" sz="1000" baseline="0" dirty="0">
+                          <a:effectLst/>
+                        </a:rPr>
+                        <a:t>0.4214</a:t>
+                      </a:r>
                     </a:p>
                   </a:txBody>
                   <a:tcPr marL="48879" marR="48879" marT="24440" marB="24440" anchor="ctr">
@@ -13225,9 +13228,12 @@
                     <a:lstStyle/>
                     <a:p>
                       <a:pPr algn="ctr" fontAlgn="base"/>
-                      <a:endParaRPr lang="en-GB" sz="1000" baseline="0" dirty="0">
-                        <a:effectLst/>
-                      </a:endParaRPr>
+                      <a:r>
+                        <a:rPr lang="en-GB" sz="1000" baseline="0" dirty="0">
+                          <a:effectLst/>
+                        </a:rPr>
+                        <a:t>0.4694</a:t>
+                      </a:r>
                     </a:p>
                   </a:txBody>
                   <a:tcPr marL="48879" marR="48879" marT="24440" marB="24440" anchor="ctr">
@@ -13275,7 +13281,7 @@
                   </a:ext>
                 </a:extLst>
               </a:tr>
-              <a:tr h="226108">
+              <a:tr h="231144">
                 <a:tc vMerge="1">
                   <a:txBody>
                     <a:bodyPr/>
@@ -13544,9 +13550,12 @@
                     <a:lstStyle/>
                     <a:p>
                       <a:pPr algn="ctr" fontAlgn="base"/>
-                      <a:endParaRPr lang="en-GB" sz="1000" baseline="0" dirty="0">
-                        <a:effectLst/>
-                      </a:endParaRPr>
+                      <a:r>
+                        <a:rPr lang="en-GB" sz="1000" baseline="0" dirty="0">
+                          <a:effectLst/>
+                        </a:rPr>
+                        <a:t>0.6763</a:t>
+                      </a:r>
                     </a:p>
                   </a:txBody>
                   <a:tcPr marL="48879" marR="48879" marT="24440" marB="24440" anchor="ctr">
@@ -13594,9 +13603,12 @@
                     <a:lstStyle/>
                     <a:p>
                       <a:pPr algn="ctr" fontAlgn="base"/>
-                      <a:endParaRPr lang="en-GB" sz="1000" baseline="0" dirty="0">
-                        <a:effectLst/>
-                      </a:endParaRPr>
+                      <a:r>
+                        <a:rPr lang="en-GB" sz="1000" baseline="0" dirty="0">
+                          <a:effectLst/>
+                        </a:rPr>
+                        <a:t>0.4614</a:t>
+                      </a:r>
                     </a:p>
                   </a:txBody>
                   <a:tcPr marL="48879" marR="48879" marT="24440" marB="24440" anchor="ctr">
@@ -13644,7 +13656,7 @@
                   </a:ext>
                 </a:extLst>
               </a:tr>
-              <a:tr h="527426">
+              <a:tr h="539174">
                 <a:tc vMerge="1">
                   <a:txBody>
                     <a:bodyPr/>
@@ -13919,9 +13931,12 @@
                     <a:lstStyle/>
                     <a:p>
                       <a:pPr algn="ctr" fontAlgn="base"/>
-                      <a:endParaRPr lang="en-GB" sz="1000" baseline="0" dirty="0">
-                        <a:effectLst/>
-                      </a:endParaRPr>
+                      <a:r>
+                        <a:rPr lang="en-GB" sz="1000" baseline="0" dirty="0">
+                          <a:effectLst/>
+                        </a:rPr>
+                        <a:t>0.4225</a:t>
+                      </a:r>
                     </a:p>
                   </a:txBody>
                   <a:tcPr marL="48879" marR="48879" marT="24440" marB="24440" anchor="ctr">
@@ -13969,9 +13984,12 @@
                     <a:lstStyle/>
                     <a:p>
                       <a:pPr algn="ctr" fontAlgn="base"/>
-                      <a:endParaRPr lang="en-GB" sz="1000" baseline="0" dirty="0">
-                        <a:effectLst/>
-                      </a:endParaRPr>
+                      <a:r>
+                        <a:rPr lang="en-GB" sz="1000" baseline="0" dirty="0">
+                          <a:effectLst/>
+                        </a:rPr>
+                        <a:t>0.7235</a:t>
+                      </a:r>
                     </a:p>
                   </a:txBody>
                   <a:tcPr marL="48879" marR="48879" marT="24440" marB="24440" anchor="ctr">
@@ -14019,7 +14037,7 @@
                   </a:ext>
                 </a:extLst>
               </a:tr>
-              <a:tr h="369198">
+              <a:tr h="377421">
                 <a:tc vMerge="1">
                   <a:txBody>
                     <a:bodyPr/>
@@ -14294,9 +14312,12 @@
                     <a:lstStyle/>
                     <a:p>
                       <a:pPr algn="ctr" fontAlgn="base"/>
-                      <a:endParaRPr lang="en-GB" sz="1000" baseline="0" dirty="0">
-                        <a:effectLst/>
-                      </a:endParaRPr>
+                      <a:r>
+                        <a:rPr lang="en-GB" sz="1000" baseline="0" dirty="0">
+                          <a:effectLst/>
+                        </a:rPr>
+                        <a:t>0.0679</a:t>
+                      </a:r>
                     </a:p>
                   </a:txBody>
                   <a:tcPr marL="48879" marR="48879" marT="24440" marB="24440" anchor="ctr">
@@ -14344,9 +14365,12 @@
                     <a:lstStyle/>
                     <a:p>
                       <a:pPr algn="ctr" fontAlgn="base"/>
-                      <a:endParaRPr lang="en-GB" sz="1000" baseline="0" dirty="0">
-                        <a:effectLst/>
-                      </a:endParaRPr>
+                      <a:r>
+                        <a:rPr lang="en-GB" sz="1000" baseline="0" dirty="0">
+                          <a:effectLst/>
+                        </a:rPr>
+                        <a:t>0.1068</a:t>
+                      </a:r>
                     </a:p>
                   </a:txBody>
                   <a:tcPr marL="48879" marR="48879" marT="24440" marB="24440" anchor="ctr">

--- a/Progress/8 Project Progress.pptx
+++ b/Progress/8 Project Progress.pptx
@@ -1521,7 +1521,7 @@
   <pc:docChgLst>
     <pc:chgData name="Kyriacos Kyriacou" userId="6a303e1966778a2b" providerId="LiveId" clId="{1DA5406A-61C4-4F7C-8CFF-A3D0BFC45DEC}"/>
     <pc:docChg chg="undo redo custSel addSld delSld modSld sldOrd">
-      <pc:chgData name="Kyriacos Kyriacou" userId="6a303e1966778a2b" providerId="LiveId" clId="{1DA5406A-61C4-4F7C-8CFF-A3D0BFC45DEC}" dt="2023-07-11T08:52:56.640" v="2261" actId="14100"/>
+      <pc:chgData name="Kyriacos Kyriacou" userId="6a303e1966778a2b" providerId="LiveId" clId="{1DA5406A-61C4-4F7C-8CFF-A3D0BFC45DEC}" dt="2023-07-11T09:55:22.268" v="2275" actId="20577"/>
       <pc:docMkLst>
         <pc:docMk/>
       </pc:docMkLst>
@@ -1541,13 +1541,13 @@
         </pc:spChg>
       </pc:sldChg>
       <pc:sldChg chg="modSp mod">
-        <pc:chgData name="Kyriacos Kyriacou" userId="6a303e1966778a2b" providerId="LiveId" clId="{1DA5406A-61C4-4F7C-8CFF-A3D0BFC45DEC}" dt="2023-07-10T18:04:19.004" v="2090" actId="20577"/>
+        <pc:chgData name="Kyriacos Kyriacou" userId="6a303e1966778a2b" providerId="LiveId" clId="{1DA5406A-61C4-4F7C-8CFF-A3D0BFC45DEC}" dt="2023-07-11T09:55:22.268" v="2275" actId="20577"/>
         <pc:sldMkLst>
           <pc:docMk/>
           <pc:sldMk cId="3264051298" sldId="264"/>
         </pc:sldMkLst>
         <pc:spChg chg="mod">
-          <ac:chgData name="Kyriacos Kyriacou" userId="6a303e1966778a2b" providerId="LiveId" clId="{1DA5406A-61C4-4F7C-8CFF-A3D0BFC45DEC}" dt="2023-07-10T18:04:19.004" v="2090" actId="20577"/>
+          <ac:chgData name="Kyriacos Kyriacou" userId="6a303e1966778a2b" providerId="LiveId" clId="{1DA5406A-61C4-4F7C-8CFF-A3D0BFC45DEC}" dt="2023-07-11T09:55:22.268" v="2275" actId="20577"/>
           <ac:spMkLst>
             <pc:docMk/>
             <pc:sldMk cId="3264051298" sldId="264"/>
@@ -1600,13 +1600,13 @@
         </pc:sldMkLst>
       </pc:sldChg>
       <pc:sldChg chg="modSp add mod ord">
-        <pc:chgData name="Kyriacos Kyriacou" userId="6a303e1966778a2b" providerId="LiveId" clId="{1DA5406A-61C4-4F7C-8CFF-A3D0BFC45DEC}" dt="2023-07-10T18:10:33.454" v="2242"/>
+        <pc:chgData name="Kyriacos Kyriacou" userId="6a303e1966778a2b" providerId="LiveId" clId="{1DA5406A-61C4-4F7C-8CFF-A3D0BFC45DEC}" dt="2023-07-11T09:50:43.883" v="2263" actId="207"/>
         <pc:sldMkLst>
           <pc:docMk/>
           <pc:sldMk cId="2709262603" sldId="275"/>
         </pc:sldMkLst>
         <pc:spChg chg="mod">
-          <ac:chgData name="Kyriacos Kyriacou" userId="6a303e1966778a2b" providerId="LiveId" clId="{1DA5406A-61C4-4F7C-8CFF-A3D0BFC45DEC}" dt="2023-07-10T18:10:33.454" v="2242"/>
+          <ac:chgData name="Kyriacos Kyriacou" userId="6a303e1966778a2b" providerId="LiveId" clId="{1DA5406A-61C4-4F7C-8CFF-A3D0BFC45DEC}" dt="2023-07-11T09:50:43.883" v="2263" actId="207"/>
           <ac:spMkLst>
             <pc:docMk/>
             <pc:sldMk cId="2709262603" sldId="275"/>
@@ -5442,10 +5442,7 @@
             <a:r>
               <a:rPr lang="en-GB" sz="1600" dirty="0">
                 <a:solidFill>
-                  <a:schemeClr val="tx2">
-                    <a:lumMod val="60000"/>
-                    <a:lumOff val="40000"/>
-                  </a:schemeClr>
+                  <a:srgbClr val="00B050"/>
                 </a:solidFill>
                 <a:latin typeface="Söhne"/>
                 <a:sym typeface="Wingdings" panose="05000000000000000000" pitchFamily="2" charset="2"/>
@@ -5485,10 +5482,7 @@
             <a:r>
               <a:rPr lang="en-GB" sz="1600" dirty="0">
                 <a:solidFill>
-                  <a:schemeClr val="tx2">
-                    <a:lumMod val="60000"/>
-                    <a:lumOff val="40000"/>
-                  </a:schemeClr>
+                  <a:srgbClr val="00B050"/>
                 </a:solidFill>
                 <a:latin typeface="Söhne"/>
                 <a:sym typeface="Wingdings" panose="05000000000000000000" pitchFamily="2" charset="2"/>
@@ -14518,6 +14512,21 @@
                 <a:sym typeface="Wingdings" panose="05000000000000000000" pitchFamily="2" charset="2"/>
               </a:rPr>
               <a:t> Next item + All action</a:t>
+            </a:r>
+          </a:p>
+          <a:p>
+            <a:r>
+              <a:rPr lang="en-GB" sz="2000" dirty="0">
+                <a:latin typeface="Söhne"/>
+              </a:rPr>
+              <a:t>Combined model </a:t>
+            </a:r>
+            <a:r>
+              <a:rPr lang="en-GB" sz="2000" dirty="0">
+                <a:latin typeface="Söhne"/>
+                <a:sym typeface="Wingdings" panose="05000000000000000000" pitchFamily="2" charset="2"/>
+              </a:rPr>
+              <a:t> Next item + Dense all action</a:t>
             </a:r>
           </a:p>
           <a:p>

--- a/Progress/8 Project Progress.pptx
+++ b/Progress/8 Project Progress.pptx
@@ -162,7 +162,7 @@
 <file path=ppt/revisionInfo.xml><?xml version="1.0" encoding="utf-8"?>
 <p1510:revInfo xmlns:a="http://schemas.openxmlformats.org/drawingml/2006/main" xmlns:r="http://schemas.openxmlformats.org/officeDocument/2006/relationships" xmlns:p1510="http://schemas.microsoft.com/office/powerpoint/2015/10/main">
   <p1510:revLst>
-    <p1510:client id="{1DA5406A-61C4-4F7C-8CFF-A3D0BFC45DEC}" v="143" dt="2023-07-11T08:52:26.743"/>
+    <p1510:client id="{1DA5406A-61C4-4F7C-8CFF-A3D0BFC45DEC}" v="148" dt="2023-07-12T17:51:58.206"/>
   </p1510:revLst>
 </p1510:revInfo>
 </file>
@@ -1521,7 +1521,7 @@
   <pc:docChgLst>
     <pc:chgData name="Kyriacos Kyriacou" userId="6a303e1966778a2b" providerId="LiveId" clId="{1DA5406A-61C4-4F7C-8CFF-A3D0BFC45DEC}"/>
     <pc:docChg chg="undo redo custSel addSld delSld modSld sldOrd">
-      <pc:chgData name="Kyriacos Kyriacou" userId="6a303e1966778a2b" providerId="LiveId" clId="{1DA5406A-61C4-4F7C-8CFF-A3D0BFC45DEC}" dt="2023-07-11T09:55:22.268" v="2275" actId="20577"/>
+      <pc:chgData name="Kyriacos Kyriacou" userId="6a303e1966778a2b" providerId="LiveId" clId="{1DA5406A-61C4-4F7C-8CFF-A3D0BFC45DEC}" dt="2023-07-12T17:51:58.206" v="2281"/>
       <pc:docMkLst>
         <pc:docMk/>
       </pc:docMkLst>
@@ -1570,14 +1570,22 @@
           </ac:spMkLst>
         </pc:spChg>
       </pc:sldChg>
-      <pc:sldChg chg="modSp mod">
-        <pc:chgData name="Kyriacos Kyriacou" userId="6a303e1966778a2b" providerId="LiveId" clId="{1DA5406A-61C4-4F7C-8CFF-A3D0BFC45DEC}" dt="2023-07-10T17:49:13.104" v="1946" actId="20577"/>
+      <pc:sldChg chg="addSp delSp modSp mod">
+        <pc:chgData name="Kyriacos Kyriacou" userId="6a303e1966778a2b" providerId="LiveId" clId="{1DA5406A-61C4-4F7C-8CFF-A3D0BFC45DEC}" dt="2023-07-12T15:47:14.081" v="2279"/>
         <pc:sldMkLst>
           <pc:docMk/>
           <pc:sldMk cId="2460501861" sldId="272"/>
         </pc:sldMkLst>
+        <pc:graphicFrameChg chg="add del">
+          <ac:chgData name="Kyriacos Kyriacou" userId="6a303e1966778a2b" providerId="LiveId" clId="{1DA5406A-61C4-4F7C-8CFF-A3D0BFC45DEC}" dt="2023-07-12T15:47:14.081" v="2279"/>
+          <ac:graphicFrameMkLst>
+            <pc:docMk/>
+            <pc:sldMk cId="2460501861" sldId="272"/>
+            <ac:graphicFrameMk id="3" creationId="{96943F79-D703-CF0C-3083-ECFBE3C530FA}"/>
+          </ac:graphicFrameMkLst>
+        </pc:graphicFrameChg>
         <pc:graphicFrameChg chg="mod modGraphic">
-          <ac:chgData name="Kyriacos Kyriacou" userId="6a303e1966778a2b" providerId="LiveId" clId="{1DA5406A-61C4-4F7C-8CFF-A3D0BFC45DEC}" dt="2023-07-10T17:49:13.104" v="1946" actId="20577"/>
+          <ac:chgData name="Kyriacos Kyriacou" userId="6a303e1966778a2b" providerId="LiveId" clId="{1DA5406A-61C4-4F7C-8CFF-A3D0BFC45DEC}" dt="2023-07-12T15:46:26.305" v="2277" actId="14734"/>
           <ac:graphicFrameMkLst>
             <pc:docMk/>
             <pc:sldMk cId="2460501861" sldId="272"/>
@@ -1615,13 +1623,13 @@
         </pc:spChg>
       </pc:sldChg>
       <pc:sldChg chg="modSp add mod">
-        <pc:chgData name="Kyriacos Kyriacou" userId="6a303e1966778a2b" providerId="LiveId" clId="{1DA5406A-61C4-4F7C-8CFF-A3D0BFC45DEC}" dt="2023-07-11T08:52:56.640" v="2261" actId="14100"/>
+        <pc:chgData name="Kyriacos Kyriacou" userId="6a303e1966778a2b" providerId="LiveId" clId="{1DA5406A-61C4-4F7C-8CFF-A3D0BFC45DEC}" dt="2023-07-12T17:51:58.206" v="2281"/>
         <pc:sldMkLst>
           <pc:docMk/>
           <pc:sldMk cId="3470142811" sldId="276"/>
         </pc:sldMkLst>
         <pc:graphicFrameChg chg="mod modGraphic">
-          <ac:chgData name="Kyriacos Kyriacou" userId="6a303e1966778a2b" providerId="LiveId" clId="{1DA5406A-61C4-4F7C-8CFF-A3D0BFC45DEC}" dt="2023-07-11T08:52:56.640" v="2261" actId="14100"/>
+          <ac:chgData name="Kyriacos Kyriacou" userId="6a303e1966778a2b" providerId="LiveId" clId="{1DA5406A-61C4-4F7C-8CFF-A3D0BFC45DEC}" dt="2023-07-12T17:51:58.206" v="2281"/>
           <ac:graphicFrameMkLst>
             <pc:docMk/>
             <pc:sldMk cId="3470142811" sldId="276"/>
@@ -1928,7 +1936,7 @@
               <a:pPr>
                 <a:defRPr/>
               </a:pPr>
-              <a:t>7/11/2023</a:t>
+              <a:t>7/12/2023</a:t>
             </a:fld>
             <a:endParaRPr lang="en-US" altLang="en-US"/>
           </a:p>
@@ -2120,7 +2128,7 @@
               <a:pPr>
                 <a:defRPr/>
               </a:pPr>
-              <a:t>7/11/2023</a:t>
+              <a:t>7/12/2023</a:t>
             </a:fld>
             <a:endParaRPr lang="en-US" altLang="en-US"/>
           </a:p>
@@ -2322,7 +2330,7 @@
               <a:pPr>
                 <a:defRPr/>
               </a:pPr>
-              <a:t>7/11/2023</a:t>
+              <a:t>7/12/2023</a:t>
             </a:fld>
             <a:endParaRPr lang="en-US" altLang="en-US"/>
           </a:p>
@@ -2514,7 +2522,7 @@
               <a:pPr>
                 <a:defRPr/>
               </a:pPr>
-              <a:t>7/11/2023</a:t>
+              <a:t>7/12/2023</a:t>
             </a:fld>
             <a:endParaRPr lang="en-US" altLang="en-US"/>
           </a:p>
@@ -2782,7 +2790,7 @@
               <a:pPr>
                 <a:defRPr/>
               </a:pPr>
-              <a:t>7/11/2023</a:t>
+              <a:t>7/12/2023</a:t>
             </a:fld>
             <a:endParaRPr lang="en-US" altLang="en-US"/>
           </a:p>
@@ -3092,7 +3100,7 @@
               <a:pPr>
                 <a:defRPr/>
               </a:pPr>
-              <a:t>7/11/2023</a:t>
+              <a:t>7/12/2023</a:t>
             </a:fld>
             <a:endParaRPr lang="en-US" altLang="en-US"/>
           </a:p>
@@ -3536,7 +3544,7 @@
               <a:pPr>
                 <a:defRPr/>
               </a:pPr>
-              <a:t>7/11/2023</a:t>
+              <a:t>7/12/2023</a:t>
             </a:fld>
             <a:endParaRPr lang="en-US" altLang="en-US"/>
           </a:p>
@@ -3676,7 +3684,7 @@
               <a:pPr>
                 <a:defRPr/>
               </a:pPr>
-              <a:t>7/11/2023</a:t>
+              <a:t>7/12/2023</a:t>
             </a:fld>
             <a:endParaRPr lang="en-US" altLang="en-US"/>
           </a:p>
@@ -3793,7 +3801,7 @@
               <a:pPr>
                 <a:defRPr/>
               </a:pPr>
-              <a:t>7/11/2023</a:t>
+              <a:t>7/12/2023</a:t>
             </a:fld>
             <a:endParaRPr lang="en-US" altLang="en-US"/>
           </a:p>
@@ -4092,7 +4100,7 @@
               <a:pPr>
                 <a:defRPr/>
               </a:pPr>
-              <a:t>7/11/2023</a:t>
+              <a:t>7/12/2023</a:t>
             </a:fld>
             <a:endParaRPr lang="en-US" altLang="en-US"/>
           </a:p>
@@ -4374,7 +4382,7 @@
               <a:pPr>
                 <a:defRPr/>
               </a:pPr>
-              <a:t>7/11/2023</a:t>
+              <a:t>7/12/2023</a:t>
             </a:fld>
             <a:endParaRPr lang="en-US" altLang="en-US"/>
           </a:p>
@@ -4665,7 +4673,7 @@
               <a:pPr>
                 <a:defRPr/>
               </a:pPr>
-              <a:t>7/11/2023</a:t>
+              <a:t>7/12/2023</a:t>
             </a:fld>
             <a:endParaRPr lang="en-US" altLang="en-US"/>
           </a:p>
@@ -6370,7 +6378,7 @@
           <p:nvPr>
             <p:extLst>
               <p:ext uri="{D42A27DB-BD31-4B8C-83A1-F6EECF244321}">
-                <p14:modId xmlns:p14="http://schemas.microsoft.com/office/powerpoint/2010/main" val="3746275527"/>
+                <p14:modId xmlns:p14="http://schemas.microsoft.com/office/powerpoint/2010/main" val="3961969772"/>
               </p:ext>
             </p:extLst>
           </p:nvPr>
@@ -6509,7 +6517,7 @@
                     <a:p>
                       <a:pPr algn="ctr" fontAlgn="b"/>
                       <a:r>
-                        <a:rPr lang="en-GB" sz="1000" b="1" baseline="0">
+                        <a:rPr lang="en-GB" sz="1000" b="1" baseline="0" dirty="0">
                           <a:effectLst/>
                         </a:rPr>
                         <a:t>Metric</a:t>
@@ -7258,7 +7266,7 @@
                     <a:p>
                       <a:pPr algn="ctr" fontAlgn="base"/>
                       <a:r>
-                        <a:rPr lang="en-GB" sz="1000" baseline="0">
+                        <a:rPr lang="en-GB" sz="1000" baseline="0" dirty="0">
                           <a:effectLst/>
                         </a:rPr>
                         <a:t>0.2853</a:t>
@@ -7311,7 +7319,7 @@
                     <a:p>
                       <a:pPr algn="ctr" fontAlgn="base"/>
                       <a:r>
-                        <a:rPr lang="en-GB" sz="1000" baseline="0">
+                        <a:rPr lang="en-GB" sz="1000" baseline="0" dirty="0">
                           <a:effectLst/>
                         </a:rPr>
                         <a:t>0.2961</a:t>
@@ -7580,7 +7588,7 @@
                     <a:p>
                       <a:pPr algn="ctr" fontAlgn="base"/>
                       <a:r>
-                        <a:rPr lang="en-GB" sz="1000" baseline="0">
+                        <a:rPr lang="en-GB" sz="1000" baseline="0" dirty="0">
                           <a:effectLst/>
                         </a:rPr>
                         <a:t>0.7929</a:t>
@@ -10893,7 +10901,7 @@
           <p:nvPr>
             <p:extLst>
               <p:ext uri="{D42A27DB-BD31-4B8C-83A1-F6EECF244321}">
-                <p14:modId xmlns:p14="http://schemas.microsoft.com/office/powerpoint/2010/main" val="1056530629"/>
+                <p14:modId xmlns:p14="http://schemas.microsoft.com/office/powerpoint/2010/main" val="3640396606"/>
               </p:ext>
             </p:extLst>
           </p:nvPr>
@@ -13598,11 +13606,14 @@
                     <a:p>
                       <a:pPr algn="ctr" fontAlgn="base"/>
                       <a:r>
-                        <a:rPr lang="en-GB" sz="1000" baseline="0" dirty="0">
+                        <a:rPr lang="en-GB" sz="1000" baseline="0">
                           <a:effectLst/>
                         </a:rPr>
-                        <a:t>0.4614</a:t>
+                        <a:t>0.7297</a:t>
                       </a:r>
+                      <a:endParaRPr lang="en-GB" sz="1000" baseline="0" dirty="0">
+                        <a:effectLst/>
+                      </a:endParaRPr>
                     </a:p>
                   </a:txBody>
                   <a:tcPr marL="48879" marR="48879" marT="24440" marB="24440" anchor="ctr">
